--- a/modbus-slave/doc/架构.pptx
+++ b/modbus-slave/doc/架构.pptx
@@ -259,7 +259,7 @@
           <a:p>
             <a:fld id="{BE04F9D5-5B78-4E78-8683-BD0DF1C411FE}" type="datetimeFigureOut">
               <a:rPr lang="zh-CN" altLang="en-US" smtClean="0"/>
-              <a:t>2021/1/6</a:t>
+              <a:t>2021/2/8</a:t>
             </a:fld>
             <a:endParaRPr lang="zh-CN" altLang="en-US"/>
           </a:p>
@@ -457,7 +457,7 @@
           <a:p>
             <a:fld id="{BE04F9D5-5B78-4E78-8683-BD0DF1C411FE}" type="datetimeFigureOut">
               <a:rPr lang="zh-CN" altLang="en-US" smtClean="0"/>
-              <a:t>2021/1/6</a:t>
+              <a:t>2021/2/8</a:t>
             </a:fld>
             <a:endParaRPr lang="zh-CN" altLang="en-US"/>
           </a:p>
@@ -665,7 +665,7 @@
           <a:p>
             <a:fld id="{BE04F9D5-5B78-4E78-8683-BD0DF1C411FE}" type="datetimeFigureOut">
               <a:rPr lang="zh-CN" altLang="en-US" smtClean="0"/>
-              <a:t>2021/1/6</a:t>
+              <a:t>2021/2/8</a:t>
             </a:fld>
             <a:endParaRPr lang="zh-CN" altLang="en-US"/>
           </a:p>
@@ -863,7 +863,7 @@
           <a:p>
             <a:fld id="{BE04F9D5-5B78-4E78-8683-BD0DF1C411FE}" type="datetimeFigureOut">
               <a:rPr lang="zh-CN" altLang="en-US" smtClean="0"/>
-              <a:t>2021/1/6</a:t>
+              <a:t>2021/2/8</a:t>
             </a:fld>
             <a:endParaRPr lang="zh-CN" altLang="en-US"/>
           </a:p>
@@ -1138,7 +1138,7 @@
           <a:p>
             <a:fld id="{BE04F9D5-5B78-4E78-8683-BD0DF1C411FE}" type="datetimeFigureOut">
               <a:rPr lang="zh-CN" altLang="en-US" smtClean="0"/>
-              <a:t>2021/1/6</a:t>
+              <a:t>2021/2/8</a:t>
             </a:fld>
             <a:endParaRPr lang="zh-CN" altLang="en-US"/>
           </a:p>
@@ -1403,7 +1403,7 @@
           <a:p>
             <a:fld id="{BE04F9D5-5B78-4E78-8683-BD0DF1C411FE}" type="datetimeFigureOut">
               <a:rPr lang="zh-CN" altLang="en-US" smtClean="0"/>
-              <a:t>2021/1/6</a:t>
+              <a:t>2021/2/8</a:t>
             </a:fld>
             <a:endParaRPr lang="zh-CN" altLang="en-US"/>
           </a:p>
@@ -1815,7 +1815,7 @@
           <a:p>
             <a:fld id="{BE04F9D5-5B78-4E78-8683-BD0DF1C411FE}" type="datetimeFigureOut">
               <a:rPr lang="zh-CN" altLang="en-US" smtClean="0"/>
-              <a:t>2021/1/6</a:t>
+              <a:t>2021/2/8</a:t>
             </a:fld>
             <a:endParaRPr lang="zh-CN" altLang="en-US"/>
           </a:p>
@@ -1956,7 +1956,7 @@
           <a:p>
             <a:fld id="{BE04F9D5-5B78-4E78-8683-BD0DF1C411FE}" type="datetimeFigureOut">
               <a:rPr lang="zh-CN" altLang="en-US" smtClean="0"/>
-              <a:t>2021/1/6</a:t>
+              <a:t>2021/2/8</a:t>
             </a:fld>
             <a:endParaRPr lang="zh-CN" altLang="en-US"/>
           </a:p>
@@ -2069,7 +2069,7 @@
           <a:p>
             <a:fld id="{BE04F9D5-5B78-4E78-8683-BD0DF1C411FE}" type="datetimeFigureOut">
               <a:rPr lang="zh-CN" altLang="en-US" smtClean="0"/>
-              <a:t>2021/1/6</a:t>
+              <a:t>2021/2/8</a:t>
             </a:fld>
             <a:endParaRPr lang="zh-CN" altLang="en-US"/>
           </a:p>
@@ -2380,7 +2380,7 @@
           <a:p>
             <a:fld id="{BE04F9D5-5B78-4E78-8683-BD0DF1C411FE}" type="datetimeFigureOut">
               <a:rPr lang="zh-CN" altLang="en-US" smtClean="0"/>
-              <a:t>2021/1/6</a:t>
+              <a:t>2021/2/8</a:t>
             </a:fld>
             <a:endParaRPr lang="zh-CN" altLang="en-US"/>
           </a:p>
@@ -2668,7 +2668,7 @@
           <a:p>
             <a:fld id="{BE04F9D5-5B78-4E78-8683-BD0DF1C411FE}" type="datetimeFigureOut">
               <a:rPr lang="zh-CN" altLang="en-US" smtClean="0"/>
-              <a:t>2021/1/6</a:t>
+              <a:t>2021/2/8</a:t>
             </a:fld>
             <a:endParaRPr lang="zh-CN" altLang="en-US"/>
           </a:p>
@@ -2909,7 +2909,7 @@
           <a:p>
             <a:fld id="{BE04F9D5-5B78-4E78-8683-BD0DF1C411FE}" type="datetimeFigureOut">
               <a:rPr lang="zh-CN" altLang="en-US" smtClean="0"/>
-              <a:t>2021/1/6</a:t>
+              <a:t>2021/2/8</a:t>
             </a:fld>
             <a:endParaRPr lang="zh-CN" altLang="en-US"/>
           </a:p>
@@ -5687,159 +5687,6 @@
           </a:p>
         </p:txBody>
       </p:sp>
-      <p:cxnSp>
-        <p:nvCxnSpPr>
-          <p:cNvPr id="71" name="直接连接符 70">
-            <a:extLst>
-              <a:ext uri="{FF2B5EF4-FFF2-40B4-BE49-F238E27FC236}">
-                <a16:creationId xmlns:a16="http://schemas.microsoft.com/office/drawing/2014/main" id="{A4CAB0B6-0A8F-4A12-9AB8-6DA8C1F879CF}"/>
-              </a:ext>
-            </a:extLst>
-          </p:cNvPr>
-          <p:cNvCxnSpPr>
-            <a:cxnSpLocks/>
-          </p:cNvCxnSpPr>
-          <p:nvPr/>
-        </p:nvCxnSpPr>
-        <p:spPr>
-          <a:xfrm flipV="1">
-            <a:off x="5948360" y="362196"/>
-            <a:ext cx="0" cy="1119940"/>
-          </a:xfrm>
-          <a:prstGeom prst="line">
-            <a:avLst/>
-          </a:prstGeom>
-        </p:spPr>
-        <p:style>
-          <a:lnRef idx="1">
-            <a:schemeClr val="accent1"/>
-          </a:lnRef>
-          <a:fillRef idx="0">
-            <a:schemeClr val="accent1"/>
-          </a:fillRef>
-          <a:effectRef idx="0">
-            <a:schemeClr val="accent1"/>
-          </a:effectRef>
-          <a:fontRef idx="minor">
-            <a:schemeClr val="tx1"/>
-          </a:fontRef>
-        </p:style>
-      </p:cxnSp>
-      <p:cxnSp>
-        <p:nvCxnSpPr>
-          <p:cNvPr id="72" name="直接连接符 71">
-            <a:extLst>
-              <a:ext uri="{FF2B5EF4-FFF2-40B4-BE49-F238E27FC236}">
-                <a16:creationId xmlns:a16="http://schemas.microsoft.com/office/drawing/2014/main" id="{F4A37E2A-D4BE-48B3-AD60-8B2C277BF93A}"/>
-              </a:ext>
-            </a:extLst>
-          </p:cNvPr>
-          <p:cNvCxnSpPr>
-            <a:cxnSpLocks/>
-          </p:cNvCxnSpPr>
-          <p:nvPr/>
-        </p:nvCxnSpPr>
-        <p:spPr>
-          <a:xfrm flipH="1">
-            <a:off x="8046524" y="3190498"/>
-            <a:ext cx="2888968" cy="0"/>
-          </a:xfrm>
-          <a:prstGeom prst="line">
-            <a:avLst/>
-          </a:prstGeom>
-        </p:spPr>
-        <p:style>
-          <a:lnRef idx="1">
-            <a:schemeClr val="accent1"/>
-          </a:lnRef>
-          <a:fillRef idx="0">
-            <a:schemeClr val="accent1"/>
-          </a:fillRef>
-          <a:effectRef idx="0">
-            <a:schemeClr val="accent1"/>
-          </a:effectRef>
-          <a:fontRef idx="minor">
-            <a:schemeClr val="tx1"/>
-          </a:fontRef>
-        </p:style>
-      </p:cxnSp>
-      <p:cxnSp>
-        <p:nvCxnSpPr>
-          <p:cNvPr id="73" name="直接连接符 72">
-            <a:extLst>
-              <a:ext uri="{FF2B5EF4-FFF2-40B4-BE49-F238E27FC236}">
-                <a16:creationId xmlns:a16="http://schemas.microsoft.com/office/drawing/2014/main" id="{B9089123-B603-4452-9B6A-F9983D59487E}"/>
-              </a:ext>
-            </a:extLst>
-          </p:cNvPr>
-          <p:cNvCxnSpPr>
-            <a:cxnSpLocks/>
-            <a:endCxn id="75" idx="2"/>
-          </p:cNvCxnSpPr>
-          <p:nvPr/>
-        </p:nvCxnSpPr>
-        <p:spPr>
-          <a:xfrm flipV="1">
-            <a:off x="10935492" y="492824"/>
-            <a:ext cx="2912" cy="2697676"/>
-          </a:xfrm>
-          <a:prstGeom prst="line">
-            <a:avLst/>
-          </a:prstGeom>
-        </p:spPr>
-        <p:style>
-          <a:lnRef idx="1">
-            <a:schemeClr val="accent1"/>
-          </a:lnRef>
-          <a:fillRef idx="0">
-            <a:schemeClr val="accent1"/>
-          </a:fillRef>
-          <a:effectRef idx="0">
-            <a:schemeClr val="accent1"/>
-          </a:effectRef>
-          <a:fontRef idx="minor">
-            <a:schemeClr val="tx1"/>
-          </a:fontRef>
-        </p:style>
-      </p:cxnSp>
-      <p:cxnSp>
-        <p:nvCxnSpPr>
-          <p:cNvPr id="74" name="直接连接符 73">
-            <a:extLst>
-              <a:ext uri="{FF2B5EF4-FFF2-40B4-BE49-F238E27FC236}">
-                <a16:creationId xmlns:a16="http://schemas.microsoft.com/office/drawing/2014/main" id="{1ED0751F-7ECA-4BCE-8A60-2645EB2AC9B5}"/>
-              </a:ext>
-            </a:extLst>
-          </p:cNvPr>
-          <p:cNvCxnSpPr>
-            <a:cxnSpLocks/>
-          </p:cNvCxnSpPr>
-          <p:nvPr/>
-        </p:nvCxnSpPr>
-        <p:spPr>
-          <a:xfrm flipH="1">
-            <a:off x="5948360" y="362196"/>
-            <a:ext cx="4355945" cy="0"/>
-          </a:xfrm>
-          <a:prstGeom prst="line">
-            <a:avLst/>
-          </a:prstGeom>
-        </p:spPr>
-        <p:style>
-          <a:lnRef idx="1">
-            <a:schemeClr val="accent1"/>
-          </a:lnRef>
-          <a:fillRef idx="0">
-            <a:schemeClr val="accent1"/>
-          </a:fillRef>
-          <a:effectRef idx="0">
-            <a:schemeClr val="accent1"/>
-          </a:effectRef>
-          <a:fontRef idx="minor">
-            <a:schemeClr val="tx1"/>
-          </a:fontRef>
-        </p:style>
-      </p:cxnSp>
       <p:sp>
         <p:nvSpPr>
           <p:cNvPr id="75" name="矩形 74">
@@ -5854,8 +5701,8 @@
         </p:nvSpPr>
         <p:spPr>
           <a:xfrm>
-            <a:off x="10304304" y="231567"/>
-            <a:ext cx="1268199" cy="261257"/>
+            <a:off x="9903867" y="2702080"/>
+            <a:ext cx="806737" cy="261257"/>
           </a:xfrm>
           <a:prstGeom prst="rect">
             <a:avLst/>
@@ -5926,42 +5773,6 @@
           </a:p>
         </p:txBody>
       </p:sp>
-      <p:sp>
-        <p:nvSpPr>
-          <p:cNvPr id="78" name="文本框 77">
-            <a:extLst>
-              <a:ext uri="{FF2B5EF4-FFF2-40B4-BE49-F238E27FC236}">
-                <a16:creationId xmlns:a16="http://schemas.microsoft.com/office/drawing/2014/main" id="{6021A04B-0274-454F-AACC-638F4F07690A}"/>
-              </a:ext>
-            </a:extLst>
-          </p:cNvPr>
-          <p:cNvSpPr txBox="1"/>
-          <p:nvPr/>
-        </p:nvSpPr>
-        <p:spPr>
-          <a:xfrm>
-            <a:off x="8032794" y="3030680"/>
-            <a:ext cx="769763" cy="184666"/>
-          </a:xfrm>
-          <a:prstGeom prst="rect">
-            <a:avLst/>
-          </a:prstGeom>
-          <a:noFill/>
-        </p:spPr>
-        <p:txBody>
-          <a:bodyPr wrap="none" rtlCol="0">
-            <a:spAutoFit/>
-          </a:bodyPr>
-          <a:lstStyle/>
-          <a:p>
-            <a:r>
-              <a:rPr lang="en-US" altLang="zh-CN" sz="600" dirty="0"/>
-              <a:t>PG8/USART6_RTS</a:t>
-            </a:r>
-            <a:endParaRPr lang="zh-CN" altLang="en-US" dirty="0"/>
-          </a:p>
-        </p:txBody>
-      </p:sp>
       <p:cxnSp>
         <p:nvCxnSpPr>
           <p:cNvPr id="76" name="直接连接符 75">
@@ -5979,7 +5790,7 @@
         <p:spPr>
           <a:xfrm flipH="1">
             <a:off x="8032794" y="2885698"/>
-            <a:ext cx="3073356" cy="0"/>
+            <a:ext cx="761746" cy="0"/>
           </a:xfrm>
           <a:prstGeom prst="line">
             <a:avLst/>
@@ -6015,9 +5826,209 @@
           <p:nvPr/>
         </p:nvCxnSpPr>
         <p:spPr>
-          <a:xfrm flipH="1">
-            <a:off x="8046524" y="2799973"/>
-            <a:ext cx="3159639" cy="0"/>
+          <a:xfrm flipH="1" flipV="1">
+            <a:off x="8043595" y="2796693"/>
+            <a:ext cx="750945" cy="8277"/>
+          </a:xfrm>
+          <a:prstGeom prst="line">
+            <a:avLst/>
+          </a:prstGeom>
+        </p:spPr>
+        <p:style>
+          <a:lnRef idx="1">
+            <a:schemeClr val="accent1"/>
+          </a:lnRef>
+          <a:fillRef idx="0">
+            <a:schemeClr val="accent1"/>
+          </a:fillRef>
+          <a:effectRef idx="0">
+            <a:schemeClr val="accent1"/>
+          </a:effectRef>
+          <a:fontRef idx="minor">
+            <a:schemeClr val="tx1"/>
+          </a:fontRef>
+        </p:style>
+      </p:cxnSp>
+      <p:sp>
+        <p:nvSpPr>
+          <p:cNvPr id="96" name="文本框 95">
+            <a:extLst>
+              <a:ext uri="{FF2B5EF4-FFF2-40B4-BE49-F238E27FC236}">
+                <a16:creationId xmlns:a16="http://schemas.microsoft.com/office/drawing/2014/main" id="{4FE62266-CB1D-46F3-81AE-C4AD9499079C}"/>
+              </a:ext>
+            </a:extLst>
+          </p:cNvPr>
+          <p:cNvSpPr txBox="1"/>
+          <p:nvPr/>
+        </p:nvSpPr>
+        <p:spPr>
+          <a:xfrm>
+            <a:off x="8007551" y="2556886"/>
+            <a:ext cx="314510" cy="184666"/>
+          </a:xfrm>
+          <a:prstGeom prst="rect">
+            <a:avLst/>
+          </a:prstGeom>
+          <a:noFill/>
+        </p:spPr>
+        <p:txBody>
+          <a:bodyPr wrap="none" rtlCol="0">
+            <a:spAutoFit/>
+          </a:bodyPr>
+          <a:lstStyle/>
+          <a:p>
+            <a:r>
+              <a:rPr lang="en-US" altLang="zh-CN" sz="600" dirty="0"/>
+              <a:t>PC8</a:t>
+            </a:r>
+            <a:endParaRPr lang="zh-CN" altLang="en-US" dirty="0"/>
+          </a:p>
+        </p:txBody>
+      </p:sp>
+      <p:sp>
+        <p:nvSpPr>
+          <p:cNvPr id="99" name="文本框 98">
+            <a:extLst>
+              <a:ext uri="{FF2B5EF4-FFF2-40B4-BE49-F238E27FC236}">
+                <a16:creationId xmlns:a16="http://schemas.microsoft.com/office/drawing/2014/main" id="{82819D71-944D-404A-A7FB-FA79AC8496BF}"/>
+              </a:ext>
+            </a:extLst>
+          </p:cNvPr>
+          <p:cNvSpPr txBox="1"/>
+          <p:nvPr/>
+        </p:nvSpPr>
+        <p:spPr>
+          <a:xfrm>
+            <a:off x="8010363" y="2671978"/>
+            <a:ext cx="720069" cy="184666"/>
+          </a:xfrm>
+          <a:prstGeom prst="rect">
+            <a:avLst/>
+          </a:prstGeom>
+          <a:noFill/>
+        </p:spPr>
+        <p:txBody>
+          <a:bodyPr wrap="none" rtlCol="0">
+            <a:spAutoFit/>
+          </a:bodyPr>
+          <a:lstStyle/>
+          <a:p>
+            <a:r>
+              <a:rPr lang="en-US" altLang="zh-CN" sz="600" dirty="0"/>
+              <a:t>PC7/USART6_Rx</a:t>
+            </a:r>
+            <a:endParaRPr lang="zh-CN" altLang="en-US" dirty="0"/>
+          </a:p>
+        </p:txBody>
+      </p:sp>
+      <p:sp>
+        <p:nvSpPr>
+          <p:cNvPr id="100" name="文本框 99">
+            <a:extLst>
+              <a:ext uri="{FF2B5EF4-FFF2-40B4-BE49-F238E27FC236}">
+                <a16:creationId xmlns:a16="http://schemas.microsoft.com/office/drawing/2014/main" id="{33E17CA6-B08A-4861-97FE-7F32058ED7BD}"/>
+              </a:ext>
+            </a:extLst>
+          </p:cNvPr>
+          <p:cNvSpPr txBox="1"/>
+          <p:nvPr/>
+        </p:nvSpPr>
+        <p:spPr>
+          <a:xfrm>
+            <a:off x="8007551" y="2765838"/>
+            <a:ext cx="715260" cy="184666"/>
+          </a:xfrm>
+          <a:prstGeom prst="rect">
+            <a:avLst/>
+          </a:prstGeom>
+          <a:noFill/>
+        </p:spPr>
+        <p:txBody>
+          <a:bodyPr wrap="none" rtlCol="0">
+            <a:spAutoFit/>
+          </a:bodyPr>
+          <a:lstStyle/>
+          <a:p>
+            <a:r>
+              <a:rPr lang="en-US" altLang="zh-CN" sz="600" dirty="0"/>
+              <a:t>PC6/USART6_Tx</a:t>
+            </a:r>
+            <a:endParaRPr lang="zh-CN" altLang="en-US" dirty="0"/>
+          </a:p>
+        </p:txBody>
+      </p:sp>
+      <p:sp>
+        <p:nvSpPr>
+          <p:cNvPr id="101" name="矩形 100">
+            <a:extLst>
+              <a:ext uri="{FF2B5EF4-FFF2-40B4-BE49-F238E27FC236}">
+                <a16:creationId xmlns:a16="http://schemas.microsoft.com/office/drawing/2014/main" id="{FEE6EBB3-C1FE-4E65-895F-9FBDCC248673}"/>
+              </a:ext>
+            </a:extLst>
+          </p:cNvPr>
+          <p:cNvSpPr/>
+          <p:nvPr/>
+        </p:nvSpPr>
+        <p:spPr>
+          <a:xfrm>
+            <a:off x="8793818" y="2702080"/>
+            <a:ext cx="806737" cy="261257"/>
+          </a:xfrm>
+          <a:prstGeom prst="rect">
+            <a:avLst/>
+          </a:prstGeom>
+        </p:spPr>
+        <p:style>
+          <a:lnRef idx="2">
+            <a:schemeClr val="accent1">
+              <a:shade val="50000"/>
+            </a:schemeClr>
+          </a:lnRef>
+          <a:fillRef idx="1">
+            <a:schemeClr val="accent1"/>
+          </a:fillRef>
+          <a:effectRef idx="0">
+            <a:schemeClr val="accent1"/>
+          </a:effectRef>
+          <a:fontRef idx="minor">
+            <a:schemeClr val="lt1"/>
+          </a:fontRef>
+        </p:style>
+        <p:txBody>
+          <a:bodyPr rtlCol="0" anchor="ctr"/>
+          <a:lstStyle/>
+          <a:p>
+            <a:pPr algn="ctr"/>
+            <a:r>
+              <a:rPr lang="en-US" altLang="zh-CN" sz="600" dirty="0"/>
+              <a:t>232/</a:t>
+            </a:r>
+            <a:r>
+              <a:rPr lang="zh-CN" altLang="en-US" sz="600" dirty="0"/>
+              <a:t>串口互转模块</a:t>
+            </a:r>
+            <a:endParaRPr lang="zh-CN" altLang="en-US" dirty="0"/>
+          </a:p>
+        </p:txBody>
+      </p:sp>
+      <p:cxnSp>
+        <p:nvCxnSpPr>
+          <p:cNvPr id="12" name="直接连接符 11">
+            <a:extLst>
+              <a:ext uri="{FF2B5EF4-FFF2-40B4-BE49-F238E27FC236}">
+                <a16:creationId xmlns:a16="http://schemas.microsoft.com/office/drawing/2014/main" id="{FF90ABF8-638B-4385-A1F6-039130D5F8A7}"/>
+              </a:ext>
+            </a:extLst>
+          </p:cNvPr>
+          <p:cNvCxnSpPr>
+            <a:cxnSpLocks/>
+          </p:cNvCxnSpPr>
+          <p:nvPr/>
+        </p:nvCxnSpPr>
+        <p:spPr>
+          <a:xfrm>
+            <a:off x="9593177" y="2790952"/>
+            <a:ext cx="303312" cy="0"/>
           </a:xfrm>
           <a:prstGeom prst="line">
             <a:avLst/>
@@ -6040,10 +6051,10 @@
       </p:cxnSp>
       <p:cxnSp>
         <p:nvCxnSpPr>
-          <p:cNvPr id="86" name="直接连接符 85">
-            <a:extLst>
-              <a:ext uri="{FF2B5EF4-FFF2-40B4-BE49-F238E27FC236}">
-                <a16:creationId xmlns:a16="http://schemas.microsoft.com/office/drawing/2014/main" id="{DB28F738-C3CA-4DEC-837E-B0C4709995D9}"/>
+          <p:cNvPr id="102" name="直接连接符 101">
+            <a:extLst>
+              <a:ext uri="{FF2B5EF4-FFF2-40B4-BE49-F238E27FC236}">
+                <a16:creationId xmlns:a16="http://schemas.microsoft.com/office/drawing/2014/main" id="{6D7417B4-9385-4145-BCB0-0A6DBC1A2DC4}"/>
               </a:ext>
             </a:extLst>
           </p:cNvPr>
@@ -6053,9 +6064,9 @@
           <p:nvPr/>
         </p:nvCxnSpPr>
         <p:spPr>
-          <a:xfrm flipH="1">
-            <a:off x="8046527" y="2704723"/>
-            <a:ext cx="3262063" cy="0"/>
+          <a:xfrm>
+            <a:off x="9593177" y="2889000"/>
+            <a:ext cx="303312" cy="0"/>
           </a:xfrm>
           <a:prstGeom prst="line">
             <a:avLst/>
@@ -6076,228 +6087,6 @@
           </a:fontRef>
         </p:style>
       </p:cxnSp>
-      <p:cxnSp>
-        <p:nvCxnSpPr>
-          <p:cNvPr id="87" name="直接连接符 86">
-            <a:extLst>
-              <a:ext uri="{FF2B5EF4-FFF2-40B4-BE49-F238E27FC236}">
-                <a16:creationId xmlns:a16="http://schemas.microsoft.com/office/drawing/2014/main" id="{09187ADD-92A0-4590-AE50-557BC5359376}"/>
-              </a:ext>
-            </a:extLst>
-          </p:cNvPr>
-          <p:cNvCxnSpPr>
-            <a:cxnSpLocks/>
-          </p:cNvCxnSpPr>
-          <p:nvPr/>
-        </p:nvCxnSpPr>
-        <p:spPr>
-          <a:xfrm flipV="1">
-            <a:off x="11308590" y="425337"/>
-            <a:ext cx="0" cy="2279386"/>
-          </a:xfrm>
-          <a:prstGeom prst="line">
-            <a:avLst/>
-          </a:prstGeom>
-        </p:spPr>
-        <p:style>
-          <a:lnRef idx="1">
-            <a:schemeClr val="accent1"/>
-          </a:lnRef>
-          <a:fillRef idx="0">
-            <a:schemeClr val="accent1"/>
-          </a:fillRef>
-          <a:effectRef idx="0">
-            <a:schemeClr val="accent1"/>
-          </a:effectRef>
-          <a:fontRef idx="minor">
-            <a:schemeClr val="tx1"/>
-          </a:fontRef>
-        </p:style>
-      </p:cxnSp>
-      <p:cxnSp>
-        <p:nvCxnSpPr>
-          <p:cNvPr id="89" name="直接连接符 88">
-            <a:extLst>
-              <a:ext uri="{FF2B5EF4-FFF2-40B4-BE49-F238E27FC236}">
-                <a16:creationId xmlns:a16="http://schemas.microsoft.com/office/drawing/2014/main" id="{E491C118-B2D8-4C90-B587-2C26608A7508}"/>
-              </a:ext>
-            </a:extLst>
-          </p:cNvPr>
-          <p:cNvCxnSpPr>
-            <a:cxnSpLocks/>
-          </p:cNvCxnSpPr>
-          <p:nvPr/>
-        </p:nvCxnSpPr>
-        <p:spPr>
-          <a:xfrm flipV="1">
-            <a:off x="11209508" y="492824"/>
-            <a:ext cx="0" cy="2307149"/>
-          </a:xfrm>
-          <a:prstGeom prst="line">
-            <a:avLst/>
-          </a:prstGeom>
-        </p:spPr>
-        <p:style>
-          <a:lnRef idx="1">
-            <a:schemeClr val="accent1"/>
-          </a:lnRef>
-          <a:fillRef idx="0">
-            <a:schemeClr val="accent1"/>
-          </a:fillRef>
-          <a:effectRef idx="0">
-            <a:schemeClr val="accent1"/>
-          </a:effectRef>
-          <a:fontRef idx="minor">
-            <a:schemeClr val="tx1"/>
-          </a:fontRef>
-        </p:style>
-      </p:cxnSp>
-      <p:cxnSp>
-        <p:nvCxnSpPr>
-          <p:cNvPr id="94" name="直接连接符 93">
-            <a:extLst>
-              <a:ext uri="{FF2B5EF4-FFF2-40B4-BE49-F238E27FC236}">
-                <a16:creationId xmlns:a16="http://schemas.microsoft.com/office/drawing/2014/main" id="{954D8AD3-01D1-4853-A802-86C67E159A10}"/>
-              </a:ext>
-            </a:extLst>
-          </p:cNvPr>
-          <p:cNvCxnSpPr>
-            <a:cxnSpLocks/>
-          </p:cNvCxnSpPr>
-          <p:nvPr/>
-        </p:nvCxnSpPr>
-        <p:spPr>
-          <a:xfrm flipV="1">
-            <a:off x="11105495" y="484674"/>
-            <a:ext cx="0" cy="2401024"/>
-          </a:xfrm>
-          <a:prstGeom prst="line">
-            <a:avLst/>
-          </a:prstGeom>
-        </p:spPr>
-        <p:style>
-          <a:lnRef idx="1">
-            <a:schemeClr val="accent1"/>
-          </a:lnRef>
-          <a:fillRef idx="0">
-            <a:schemeClr val="accent1"/>
-          </a:fillRef>
-          <a:effectRef idx="0">
-            <a:schemeClr val="accent1"/>
-          </a:effectRef>
-          <a:fontRef idx="minor">
-            <a:schemeClr val="tx1"/>
-          </a:fontRef>
-        </p:style>
-      </p:cxnSp>
-      <p:sp>
-        <p:nvSpPr>
-          <p:cNvPr id="96" name="文本框 95">
-            <a:extLst>
-              <a:ext uri="{FF2B5EF4-FFF2-40B4-BE49-F238E27FC236}">
-                <a16:creationId xmlns:a16="http://schemas.microsoft.com/office/drawing/2014/main" id="{4FE62266-CB1D-46F3-81AE-C4AD9499079C}"/>
-              </a:ext>
-            </a:extLst>
-          </p:cNvPr>
-          <p:cNvSpPr txBox="1"/>
-          <p:nvPr/>
-        </p:nvSpPr>
-        <p:spPr>
-          <a:xfrm>
-            <a:off x="8007551" y="2556886"/>
-            <a:ext cx="314510" cy="184666"/>
-          </a:xfrm>
-          <a:prstGeom prst="rect">
-            <a:avLst/>
-          </a:prstGeom>
-          <a:noFill/>
-        </p:spPr>
-        <p:txBody>
-          <a:bodyPr wrap="none" rtlCol="0">
-            <a:spAutoFit/>
-          </a:bodyPr>
-          <a:lstStyle/>
-          <a:p>
-            <a:r>
-              <a:rPr lang="en-US" altLang="zh-CN" sz="600" dirty="0"/>
-              <a:t>PC8</a:t>
-            </a:r>
-            <a:endParaRPr lang="zh-CN" altLang="en-US" dirty="0"/>
-          </a:p>
-        </p:txBody>
-      </p:sp>
-      <p:sp>
-        <p:nvSpPr>
-          <p:cNvPr id="99" name="文本框 98">
-            <a:extLst>
-              <a:ext uri="{FF2B5EF4-FFF2-40B4-BE49-F238E27FC236}">
-                <a16:creationId xmlns:a16="http://schemas.microsoft.com/office/drawing/2014/main" id="{82819D71-944D-404A-A7FB-FA79AC8496BF}"/>
-              </a:ext>
-            </a:extLst>
-          </p:cNvPr>
-          <p:cNvSpPr txBox="1"/>
-          <p:nvPr/>
-        </p:nvSpPr>
-        <p:spPr>
-          <a:xfrm>
-            <a:off x="8010363" y="2671978"/>
-            <a:ext cx="720069" cy="184666"/>
-          </a:xfrm>
-          <a:prstGeom prst="rect">
-            <a:avLst/>
-          </a:prstGeom>
-          <a:noFill/>
-        </p:spPr>
-        <p:txBody>
-          <a:bodyPr wrap="none" rtlCol="0">
-            <a:spAutoFit/>
-          </a:bodyPr>
-          <a:lstStyle/>
-          <a:p>
-            <a:r>
-              <a:rPr lang="en-US" altLang="zh-CN" sz="600" dirty="0"/>
-              <a:t>PC7/USART6_Rx</a:t>
-            </a:r>
-            <a:endParaRPr lang="zh-CN" altLang="en-US" dirty="0"/>
-          </a:p>
-        </p:txBody>
-      </p:sp>
-      <p:sp>
-        <p:nvSpPr>
-          <p:cNvPr id="100" name="文本框 99">
-            <a:extLst>
-              <a:ext uri="{FF2B5EF4-FFF2-40B4-BE49-F238E27FC236}">
-                <a16:creationId xmlns:a16="http://schemas.microsoft.com/office/drawing/2014/main" id="{33E17CA6-B08A-4861-97FE-7F32058ED7BD}"/>
-              </a:ext>
-            </a:extLst>
-          </p:cNvPr>
-          <p:cNvSpPr txBox="1"/>
-          <p:nvPr/>
-        </p:nvSpPr>
-        <p:spPr>
-          <a:xfrm>
-            <a:off x="8007551" y="2765838"/>
-            <a:ext cx="715260" cy="184666"/>
-          </a:xfrm>
-          <a:prstGeom prst="rect">
-            <a:avLst/>
-          </a:prstGeom>
-          <a:noFill/>
-        </p:spPr>
-        <p:txBody>
-          <a:bodyPr wrap="none" rtlCol="0">
-            <a:spAutoFit/>
-          </a:bodyPr>
-          <a:lstStyle/>
-          <a:p>
-            <a:r>
-              <a:rPr lang="en-US" altLang="zh-CN" sz="600" dirty="0"/>
-              <a:t>PC6/USART6_Tx</a:t>
-            </a:r>
-            <a:endParaRPr lang="zh-CN" altLang="en-US" dirty="0"/>
-          </a:p>
-        </p:txBody>
-      </p:sp>
     </p:spTree>
     <p:extLst>
       <p:ext uri="{BB962C8B-B14F-4D97-AF65-F5344CB8AC3E}">
